--- a/ppt 16-9/1345.谁能登耶和华.pptx
+++ b/ppt 16-9/1345.谁能登耶和华.pptx
@@ -5,7 +5,7 @@
     <p:sldMasterId id="2147483648" r:id="rId1"/>
   </p:sldMasterIdLst>
   <p:sldIdLst>
-    <p:sldId id="904" r:id="rId2"/>
+    <p:sldId id="905" r:id="rId2"/>
   </p:sldIdLst>
   <p:sldSz cx="12192000" cy="6858000"/>
   <p:notesSz cx="6858000" cy="9144000"/>
@@ -129,7 +129,7 @@
           <p:cNvPr id="2" name="标题 1">
             <a:extLst>
               <a:ext uri="{FF2B5EF4-FFF2-40B4-BE49-F238E27FC236}">
-                <a16:creationId xmlns:a16="http://schemas.microsoft.com/office/drawing/2014/main" id="{1018A7B2-5C62-B0DC-E1F6-796158909FEC}"/>
+                <a16:creationId xmlns:a16="http://schemas.microsoft.com/office/drawing/2014/main" id="{44E847BB-8115-ECC0-96FD-B5FD4721986C}"/>
               </a:ext>
             </a:extLst>
           </p:cNvPr>
@@ -166,7 +166,7 @@
           <p:cNvPr id="3" name="副标题 2">
             <a:extLst>
               <a:ext uri="{FF2B5EF4-FFF2-40B4-BE49-F238E27FC236}">
-                <a16:creationId xmlns:a16="http://schemas.microsoft.com/office/drawing/2014/main" id="{31570C9A-0E27-FFBF-000F-02651DB4E0DA}"/>
+                <a16:creationId xmlns:a16="http://schemas.microsoft.com/office/drawing/2014/main" id="{E37F096A-828F-4BB0-5166-7FD15D68024B}"/>
               </a:ext>
             </a:extLst>
           </p:cNvPr>
@@ -236,7 +236,7 @@
           <p:cNvPr id="4" name="日期占位符 3">
             <a:extLst>
               <a:ext uri="{FF2B5EF4-FFF2-40B4-BE49-F238E27FC236}">
-                <a16:creationId xmlns:a16="http://schemas.microsoft.com/office/drawing/2014/main" id="{A4835809-610A-8230-ADF4-F433BD536793}"/>
+                <a16:creationId xmlns:a16="http://schemas.microsoft.com/office/drawing/2014/main" id="{E4880658-B598-209D-8D59-4889110E6B67}"/>
               </a:ext>
             </a:extLst>
           </p:cNvPr>
@@ -252,7 +252,7 @@
           <a:bodyPr/>
           <a:lstStyle/>
           <a:p>
-            <a:fld id="{A4198D2A-BD94-4ED5-98A3-93F583DEE07B}" type="datetimeFigureOut">
+            <a:fld id="{82C35F41-64C2-4B9E-8BF5-175E414F05E0}" type="datetimeFigureOut">
               <a:rPr lang="zh-CN" altLang="en-US" smtClean="0"/>
               <a:t>2024/3/10</a:t>
             </a:fld>
@@ -265,7 +265,7 @@
           <p:cNvPr id="5" name="页脚占位符 4">
             <a:extLst>
               <a:ext uri="{FF2B5EF4-FFF2-40B4-BE49-F238E27FC236}">
-                <a16:creationId xmlns:a16="http://schemas.microsoft.com/office/drawing/2014/main" id="{F03635E3-B9CB-9721-7BAC-2973C72051AA}"/>
+                <a16:creationId xmlns:a16="http://schemas.microsoft.com/office/drawing/2014/main" id="{A655D2AE-C94B-624F-5015-397BE16E62CB}"/>
               </a:ext>
             </a:extLst>
           </p:cNvPr>
@@ -290,7 +290,7 @@
           <p:cNvPr id="6" name="灯片编号占位符 5">
             <a:extLst>
               <a:ext uri="{FF2B5EF4-FFF2-40B4-BE49-F238E27FC236}">
-                <a16:creationId xmlns:a16="http://schemas.microsoft.com/office/drawing/2014/main" id="{2C632DFE-DAEC-DBE9-38B3-B2FD61629F3F}"/>
+                <a16:creationId xmlns:a16="http://schemas.microsoft.com/office/drawing/2014/main" id="{A56C49A3-9CAB-ECB6-5AE0-618B38B3EE00}"/>
               </a:ext>
             </a:extLst>
           </p:cNvPr>
@@ -306,7 +306,7 @@
           <a:bodyPr/>
           <a:lstStyle/>
           <a:p>
-            <a:fld id="{393855A0-6F81-4BBF-998E-BF20CBE5429F}" type="slidenum">
+            <a:fld id="{180D7D30-24DC-4C2E-9FC8-8E508DC919C8}" type="slidenum">
               <a:rPr lang="zh-CN" altLang="en-US" smtClean="0"/>
               <a:t>‹#›</a:t>
             </a:fld>
@@ -317,7 +317,7 @@
     </p:spTree>
     <p:extLst>
       <p:ext uri="{BB962C8B-B14F-4D97-AF65-F5344CB8AC3E}">
-        <p14:creationId xmlns:p14="http://schemas.microsoft.com/office/powerpoint/2010/main" val="3429330316"/>
+        <p14:creationId xmlns:p14="http://schemas.microsoft.com/office/powerpoint/2010/main" val="3555286799"/>
       </p:ext>
     </p:extLst>
   </p:cSld>
@@ -349,7 +349,7 @@
           <p:cNvPr id="2" name="标题 1">
             <a:extLst>
               <a:ext uri="{FF2B5EF4-FFF2-40B4-BE49-F238E27FC236}">
-                <a16:creationId xmlns:a16="http://schemas.microsoft.com/office/drawing/2014/main" id="{8B53FF33-7CE0-BB0B-5CFA-15B9C4AC927D}"/>
+                <a16:creationId xmlns:a16="http://schemas.microsoft.com/office/drawing/2014/main" id="{CF6ADB80-CFD8-A021-D028-7028F02ECCC9}"/>
               </a:ext>
             </a:extLst>
           </p:cNvPr>
@@ -377,7 +377,7 @@
           <p:cNvPr id="3" name="竖排文字占位符 2">
             <a:extLst>
               <a:ext uri="{FF2B5EF4-FFF2-40B4-BE49-F238E27FC236}">
-                <a16:creationId xmlns:a16="http://schemas.microsoft.com/office/drawing/2014/main" id="{7F2073D3-77DC-4D0A-9644-5AE910C64A57}"/>
+                <a16:creationId xmlns:a16="http://schemas.microsoft.com/office/drawing/2014/main" id="{D1DC9315-23CF-A95B-C8A5-DE375E418890}"/>
               </a:ext>
             </a:extLst>
           </p:cNvPr>
@@ -434,7 +434,7 @@
           <p:cNvPr id="4" name="日期占位符 3">
             <a:extLst>
               <a:ext uri="{FF2B5EF4-FFF2-40B4-BE49-F238E27FC236}">
-                <a16:creationId xmlns:a16="http://schemas.microsoft.com/office/drawing/2014/main" id="{2C9BF31E-3098-668C-AABF-E45F4689B160}"/>
+                <a16:creationId xmlns:a16="http://schemas.microsoft.com/office/drawing/2014/main" id="{20946464-D0EF-CBBE-E7EC-11C0732A0271}"/>
               </a:ext>
             </a:extLst>
           </p:cNvPr>
@@ -450,7 +450,7 @@
           <a:bodyPr/>
           <a:lstStyle/>
           <a:p>
-            <a:fld id="{A4198D2A-BD94-4ED5-98A3-93F583DEE07B}" type="datetimeFigureOut">
+            <a:fld id="{82C35F41-64C2-4B9E-8BF5-175E414F05E0}" type="datetimeFigureOut">
               <a:rPr lang="zh-CN" altLang="en-US" smtClean="0"/>
               <a:t>2024/3/10</a:t>
             </a:fld>
@@ -463,7 +463,7 @@
           <p:cNvPr id="5" name="页脚占位符 4">
             <a:extLst>
               <a:ext uri="{FF2B5EF4-FFF2-40B4-BE49-F238E27FC236}">
-                <a16:creationId xmlns:a16="http://schemas.microsoft.com/office/drawing/2014/main" id="{2055B406-ECE5-B12C-E908-FAA29BCCA214}"/>
+                <a16:creationId xmlns:a16="http://schemas.microsoft.com/office/drawing/2014/main" id="{2B0F59C8-4ABB-41A4-D187-9CE4069491B3}"/>
               </a:ext>
             </a:extLst>
           </p:cNvPr>
@@ -488,7 +488,7 @@
           <p:cNvPr id="6" name="灯片编号占位符 5">
             <a:extLst>
               <a:ext uri="{FF2B5EF4-FFF2-40B4-BE49-F238E27FC236}">
-                <a16:creationId xmlns:a16="http://schemas.microsoft.com/office/drawing/2014/main" id="{C2CC527A-29A6-AAF5-4122-4008ED148232}"/>
+                <a16:creationId xmlns:a16="http://schemas.microsoft.com/office/drawing/2014/main" id="{F9E175CD-3E30-A0FE-BA51-CAD95FC3AA91}"/>
               </a:ext>
             </a:extLst>
           </p:cNvPr>
@@ -504,7 +504,7 @@
           <a:bodyPr/>
           <a:lstStyle/>
           <a:p>
-            <a:fld id="{393855A0-6F81-4BBF-998E-BF20CBE5429F}" type="slidenum">
+            <a:fld id="{180D7D30-24DC-4C2E-9FC8-8E508DC919C8}" type="slidenum">
               <a:rPr lang="zh-CN" altLang="en-US" smtClean="0"/>
               <a:t>‹#›</a:t>
             </a:fld>
@@ -515,7 +515,7 @@
     </p:spTree>
     <p:extLst>
       <p:ext uri="{BB962C8B-B14F-4D97-AF65-F5344CB8AC3E}">
-        <p14:creationId xmlns:p14="http://schemas.microsoft.com/office/powerpoint/2010/main" val="855949207"/>
+        <p14:creationId xmlns:p14="http://schemas.microsoft.com/office/powerpoint/2010/main" val="2364508406"/>
       </p:ext>
     </p:extLst>
   </p:cSld>
@@ -547,7 +547,7 @@
           <p:cNvPr id="2" name="竖排标题 1">
             <a:extLst>
               <a:ext uri="{FF2B5EF4-FFF2-40B4-BE49-F238E27FC236}">
-                <a16:creationId xmlns:a16="http://schemas.microsoft.com/office/drawing/2014/main" id="{A6D1D061-3DDC-C065-8E3E-3A87743C3323}"/>
+                <a16:creationId xmlns:a16="http://schemas.microsoft.com/office/drawing/2014/main" id="{F33763D6-0A40-7BE5-746E-4C3424640A20}"/>
               </a:ext>
             </a:extLst>
           </p:cNvPr>
@@ -580,7 +580,7 @@
           <p:cNvPr id="3" name="竖排文字占位符 2">
             <a:extLst>
               <a:ext uri="{FF2B5EF4-FFF2-40B4-BE49-F238E27FC236}">
-                <a16:creationId xmlns:a16="http://schemas.microsoft.com/office/drawing/2014/main" id="{985A2DA4-9434-6AD4-D322-DC43AB602C01}"/>
+                <a16:creationId xmlns:a16="http://schemas.microsoft.com/office/drawing/2014/main" id="{406DE669-1C66-9FA2-10BE-7F216B635200}"/>
               </a:ext>
             </a:extLst>
           </p:cNvPr>
@@ -642,7 +642,7 @@
           <p:cNvPr id="4" name="日期占位符 3">
             <a:extLst>
               <a:ext uri="{FF2B5EF4-FFF2-40B4-BE49-F238E27FC236}">
-                <a16:creationId xmlns:a16="http://schemas.microsoft.com/office/drawing/2014/main" id="{86AD50D2-5FEB-10A1-2F5E-8B0BB49CB782}"/>
+                <a16:creationId xmlns:a16="http://schemas.microsoft.com/office/drawing/2014/main" id="{3CA658B3-2916-1226-D76B-D7D04C11349B}"/>
               </a:ext>
             </a:extLst>
           </p:cNvPr>
@@ -658,7 +658,7 @@
           <a:bodyPr/>
           <a:lstStyle/>
           <a:p>
-            <a:fld id="{A4198D2A-BD94-4ED5-98A3-93F583DEE07B}" type="datetimeFigureOut">
+            <a:fld id="{82C35F41-64C2-4B9E-8BF5-175E414F05E0}" type="datetimeFigureOut">
               <a:rPr lang="zh-CN" altLang="en-US" smtClean="0"/>
               <a:t>2024/3/10</a:t>
             </a:fld>
@@ -671,7 +671,7 @@
           <p:cNvPr id="5" name="页脚占位符 4">
             <a:extLst>
               <a:ext uri="{FF2B5EF4-FFF2-40B4-BE49-F238E27FC236}">
-                <a16:creationId xmlns:a16="http://schemas.microsoft.com/office/drawing/2014/main" id="{9BDFC59A-9114-2B62-96C7-7AD09D15A1FD}"/>
+                <a16:creationId xmlns:a16="http://schemas.microsoft.com/office/drawing/2014/main" id="{91D9FFB6-B4F8-41F1-120F-DA890DEA9195}"/>
               </a:ext>
             </a:extLst>
           </p:cNvPr>
@@ -696,7 +696,7 @@
           <p:cNvPr id="6" name="灯片编号占位符 5">
             <a:extLst>
               <a:ext uri="{FF2B5EF4-FFF2-40B4-BE49-F238E27FC236}">
-                <a16:creationId xmlns:a16="http://schemas.microsoft.com/office/drawing/2014/main" id="{CB0702EF-D0DF-6846-008B-40CAED751E3D}"/>
+                <a16:creationId xmlns:a16="http://schemas.microsoft.com/office/drawing/2014/main" id="{F9BB32F7-799A-45D9-9E62-D7A01B70A20F}"/>
               </a:ext>
             </a:extLst>
           </p:cNvPr>
@@ -712,7 +712,7 @@
           <a:bodyPr/>
           <a:lstStyle/>
           <a:p>
-            <a:fld id="{393855A0-6F81-4BBF-998E-BF20CBE5429F}" type="slidenum">
+            <a:fld id="{180D7D30-24DC-4C2E-9FC8-8E508DC919C8}" type="slidenum">
               <a:rPr lang="zh-CN" altLang="en-US" smtClean="0"/>
               <a:t>‹#›</a:t>
             </a:fld>
@@ -723,7 +723,7 @@
     </p:spTree>
     <p:extLst>
       <p:ext uri="{BB962C8B-B14F-4D97-AF65-F5344CB8AC3E}">
-        <p14:creationId xmlns:p14="http://schemas.microsoft.com/office/powerpoint/2010/main" val="4078828371"/>
+        <p14:creationId xmlns:p14="http://schemas.microsoft.com/office/powerpoint/2010/main" val="2720140768"/>
       </p:ext>
     </p:extLst>
   </p:cSld>
@@ -755,7 +755,7 @@
           <p:cNvPr id="2" name="标题 1">
             <a:extLst>
               <a:ext uri="{FF2B5EF4-FFF2-40B4-BE49-F238E27FC236}">
-                <a16:creationId xmlns:a16="http://schemas.microsoft.com/office/drawing/2014/main" id="{DD32FB34-5A59-98B6-EF5A-6F98ED2592ED}"/>
+                <a16:creationId xmlns:a16="http://schemas.microsoft.com/office/drawing/2014/main" id="{22B57112-442C-7AE1-6B29-7D77381F6F98}"/>
               </a:ext>
             </a:extLst>
           </p:cNvPr>
@@ -783,7 +783,7 @@
           <p:cNvPr id="3" name="内容占位符 2">
             <a:extLst>
               <a:ext uri="{FF2B5EF4-FFF2-40B4-BE49-F238E27FC236}">
-                <a16:creationId xmlns:a16="http://schemas.microsoft.com/office/drawing/2014/main" id="{1053C8E5-FFC9-7A6B-01E2-89769E1DB0B1}"/>
+                <a16:creationId xmlns:a16="http://schemas.microsoft.com/office/drawing/2014/main" id="{416799D7-44F7-001E-934B-4290AFD4A8CB}"/>
               </a:ext>
             </a:extLst>
           </p:cNvPr>
@@ -840,7 +840,7 @@
           <p:cNvPr id="4" name="日期占位符 3">
             <a:extLst>
               <a:ext uri="{FF2B5EF4-FFF2-40B4-BE49-F238E27FC236}">
-                <a16:creationId xmlns:a16="http://schemas.microsoft.com/office/drawing/2014/main" id="{9AC738D7-0E7C-4FC1-2F22-3CC1F5763C29}"/>
+                <a16:creationId xmlns:a16="http://schemas.microsoft.com/office/drawing/2014/main" id="{97A99C09-0B02-861F-01F3-75561BA42A47}"/>
               </a:ext>
             </a:extLst>
           </p:cNvPr>
@@ -856,7 +856,7 @@
           <a:bodyPr/>
           <a:lstStyle/>
           <a:p>
-            <a:fld id="{A4198D2A-BD94-4ED5-98A3-93F583DEE07B}" type="datetimeFigureOut">
+            <a:fld id="{82C35F41-64C2-4B9E-8BF5-175E414F05E0}" type="datetimeFigureOut">
               <a:rPr lang="zh-CN" altLang="en-US" smtClean="0"/>
               <a:t>2024/3/10</a:t>
             </a:fld>
@@ -869,7 +869,7 @@
           <p:cNvPr id="5" name="页脚占位符 4">
             <a:extLst>
               <a:ext uri="{FF2B5EF4-FFF2-40B4-BE49-F238E27FC236}">
-                <a16:creationId xmlns:a16="http://schemas.microsoft.com/office/drawing/2014/main" id="{1E309FFE-C9FE-EC3C-B01B-BB3875FE23BE}"/>
+                <a16:creationId xmlns:a16="http://schemas.microsoft.com/office/drawing/2014/main" id="{0CDF45D3-70C6-8961-569E-D14F6C44C049}"/>
               </a:ext>
             </a:extLst>
           </p:cNvPr>
@@ -894,7 +894,7 @@
           <p:cNvPr id="6" name="灯片编号占位符 5">
             <a:extLst>
               <a:ext uri="{FF2B5EF4-FFF2-40B4-BE49-F238E27FC236}">
-                <a16:creationId xmlns:a16="http://schemas.microsoft.com/office/drawing/2014/main" id="{9E6690B1-31E6-1179-9ADB-B3A843424772}"/>
+                <a16:creationId xmlns:a16="http://schemas.microsoft.com/office/drawing/2014/main" id="{F18EC2E3-F34A-B5A0-3487-43FF2658309B}"/>
               </a:ext>
             </a:extLst>
           </p:cNvPr>
@@ -910,7 +910,7 @@
           <a:bodyPr/>
           <a:lstStyle/>
           <a:p>
-            <a:fld id="{393855A0-6F81-4BBF-998E-BF20CBE5429F}" type="slidenum">
+            <a:fld id="{180D7D30-24DC-4C2E-9FC8-8E508DC919C8}" type="slidenum">
               <a:rPr lang="zh-CN" altLang="en-US" smtClean="0"/>
               <a:t>‹#›</a:t>
             </a:fld>
@@ -921,7 +921,7 @@
     </p:spTree>
     <p:extLst>
       <p:ext uri="{BB962C8B-B14F-4D97-AF65-F5344CB8AC3E}">
-        <p14:creationId xmlns:p14="http://schemas.microsoft.com/office/powerpoint/2010/main" val="1214809421"/>
+        <p14:creationId xmlns:p14="http://schemas.microsoft.com/office/powerpoint/2010/main" val="2514698650"/>
       </p:ext>
     </p:extLst>
   </p:cSld>
@@ -953,7 +953,7 @@
           <p:cNvPr id="2" name="标题 1">
             <a:extLst>
               <a:ext uri="{FF2B5EF4-FFF2-40B4-BE49-F238E27FC236}">
-                <a16:creationId xmlns:a16="http://schemas.microsoft.com/office/drawing/2014/main" id="{AC2786DA-51FB-DB7B-5C0E-542FE736AF52}"/>
+                <a16:creationId xmlns:a16="http://schemas.microsoft.com/office/drawing/2014/main" id="{590250C9-7BF4-9577-1C91-7A54A39786F3}"/>
               </a:ext>
             </a:extLst>
           </p:cNvPr>
@@ -990,7 +990,7 @@
           <p:cNvPr id="3" name="文本占位符 2">
             <a:extLst>
               <a:ext uri="{FF2B5EF4-FFF2-40B4-BE49-F238E27FC236}">
-                <a16:creationId xmlns:a16="http://schemas.microsoft.com/office/drawing/2014/main" id="{D9650C9D-EE6D-2C35-43E1-18F9E62439E8}"/>
+                <a16:creationId xmlns:a16="http://schemas.microsoft.com/office/drawing/2014/main" id="{0D013099-98BA-50B5-19F2-E301F5A4D724}"/>
               </a:ext>
             </a:extLst>
           </p:cNvPr>
@@ -1115,7 +1115,7 @@
           <p:cNvPr id="4" name="日期占位符 3">
             <a:extLst>
               <a:ext uri="{FF2B5EF4-FFF2-40B4-BE49-F238E27FC236}">
-                <a16:creationId xmlns:a16="http://schemas.microsoft.com/office/drawing/2014/main" id="{FA8EF928-5C4A-BECA-53A3-56E095381FF2}"/>
+                <a16:creationId xmlns:a16="http://schemas.microsoft.com/office/drawing/2014/main" id="{4EA89824-5705-06DB-AC79-7502D2178097}"/>
               </a:ext>
             </a:extLst>
           </p:cNvPr>
@@ -1131,7 +1131,7 @@
           <a:bodyPr/>
           <a:lstStyle/>
           <a:p>
-            <a:fld id="{A4198D2A-BD94-4ED5-98A3-93F583DEE07B}" type="datetimeFigureOut">
+            <a:fld id="{82C35F41-64C2-4B9E-8BF5-175E414F05E0}" type="datetimeFigureOut">
               <a:rPr lang="zh-CN" altLang="en-US" smtClean="0"/>
               <a:t>2024/3/10</a:t>
             </a:fld>
@@ -1144,7 +1144,7 @@
           <p:cNvPr id="5" name="页脚占位符 4">
             <a:extLst>
               <a:ext uri="{FF2B5EF4-FFF2-40B4-BE49-F238E27FC236}">
-                <a16:creationId xmlns:a16="http://schemas.microsoft.com/office/drawing/2014/main" id="{70E61D41-8587-6D38-893E-0C331D39A810}"/>
+                <a16:creationId xmlns:a16="http://schemas.microsoft.com/office/drawing/2014/main" id="{D5DC1856-7D62-796F-130A-E7AAEA3D3E05}"/>
               </a:ext>
             </a:extLst>
           </p:cNvPr>
@@ -1169,7 +1169,7 @@
           <p:cNvPr id="6" name="灯片编号占位符 5">
             <a:extLst>
               <a:ext uri="{FF2B5EF4-FFF2-40B4-BE49-F238E27FC236}">
-                <a16:creationId xmlns:a16="http://schemas.microsoft.com/office/drawing/2014/main" id="{353E8D26-DB37-51E8-7678-9EF5E08D2D7B}"/>
+                <a16:creationId xmlns:a16="http://schemas.microsoft.com/office/drawing/2014/main" id="{D6E54051-1D8C-AEAC-BAC5-2A354D8B577B}"/>
               </a:ext>
             </a:extLst>
           </p:cNvPr>
@@ -1185,7 +1185,7 @@
           <a:bodyPr/>
           <a:lstStyle/>
           <a:p>
-            <a:fld id="{393855A0-6F81-4BBF-998E-BF20CBE5429F}" type="slidenum">
+            <a:fld id="{180D7D30-24DC-4C2E-9FC8-8E508DC919C8}" type="slidenum">
               <a:rPr lang="zh-CN" altLang="en-US" smtClean="0"/>
               <a:t>‹#›</a:t>
             </a:fld>
@@ -1196,7 +1196,7 @@
     </p:spTree>
     <p:extLst>
       <p:ext uri="{BB962C8B-B14F-4D97-AF65-F5344CB8AC3E}">
-        <p14:creationId xmlns:p14="http://schemas.microsoft.com/office/powerpoint/2010/main" val="3516157501"/>
+        <p14:creationId xmlns:p14="http://schemas.microsoft.com/office/powerpoint/2010/main" val="2076175597"/>
       </p:ext>
     </p:extLst>
   </p:cSld>
@@ -1228,7 +1228,7 @@
           <p:cNvPr id="2" name="标题 1">
             <a:extLst>
               <a:ext uri="{FF2B5EF4-FFF2-40B4-BE49-F238E27FC236}">
-                <a16:creationId xmlns:a16="http://schemas.microsoft.com/office/drawing/2014/main" id="{46B92DCC-7790-474B-C1A9-F5FE634DFDD9}"/>
+                <a16:creationId xmlns:a16="http://schemas.microsoft.com/office/drawing/2014/main" id="{D636F902-37FE-7A39-D428-41C021DCFF97}"/>
               </a:ext>
             </a:extLst>
           </p:cNvPr>
@@ -1256,7 +1256,7 @@
           <p:cNvPr id="3" name="内容占位符 2">
             <a:extLst>
               <a:ext uri="{FF2B5EF4-FFF2-40B4-BE49-F238E27FC236}">
-                <a16:creationId xmlns:a16="http://schemas.microsoft.com/office/drawing/2014/main" id="{4E9B6331-8FEA-8E1E-D07B-36DC30221F89}"/>
+                <a16:creationId xmlns:a16="http://schemas.microsoft.com/office/drawing/2014/main" id="{C265EE55-AC7E-4605-366B-1BDD89F922E2}"/>
               </a:ext>
             </a:extLst>
           </p:cNvPr>
@@ -1318,7 +1318,7 @@
           <p:cNvPr id="4" name="内容占位符 3">
             <a:extLst>
               <a:ext uri="{FF2B5EF4-FFF2-40B4-BE49-F238E27FC236}">
-                <a16:creationId xmlns:a16="http://schemas.microsoft.com/office/drawing/2014/main" id="{CA810365-CD0C-C57B-BB3F-DA925494CB42}"/>
+                <a16:creationId xmlns:a16="http://schemas.microsoft.com/office/drawing/2014/main" id="{6EC75F09-1E8C-F0D9-1765-0D3C179D8C74}"/>
               </a:ext>
             </a:extLst>
           </p:cNvPr>
@@ -1380,7 +1380,7 @@
           <p:cNvPr id="5" name="日期占位符 4">
             <a:extLst>
               <a:ext uri="{FF2B5EF4-FFF2-40B4-BE49-F238E27FC236}">
-                <a16:creationId xmlns:a16="http://schemas.microsoft.com/office/drawing/2014/main" id="{6E118E10-1FEC-E057-CFF8-7311357FD2BA}"/>
+                <a16:creationId xmlns:a16="http://schemas.microsoft.com/office/drawing/2014/main" id="{33680192-13DE-FFAF-4365-6186253E101A}"/>
               </a:ext>
             </a:extLst>
           </p:cNvPr>
@@ -1396,7 +1396,7 @@
           <a:bodyPr/>
           <a:lstStyle/>
           <a:p>
-            <a:fld id="{A4198D2A-BD94-4ED5-98A3-93F583DEE07B}" type="datetimeFigureOut">
+            <a:fld id="{82C35F41-64C2-4B9E-8BF5-175E414F05E0}" type="datetimeFigureOut">
               <a:rPr lang="zh-CN" altLang="en-US" smtClean="0"/>
               <a:t>2024/3/10</a:t>
             </a:fld>
@@ -1409,7 +1409,7 @@
           <p:cNvPr id="6" name="页脚占位符 5">
             <a:extLst>
               <a:ext uri="{FF2B5EF4-FFF2-40B4-BE49-F238E27FC236}">
-                <a16:creationId xmlns:a16="http://schemas.microsoft.com/office/drawing/2014/main" id="{244E6FD4-7534-FA0C-080B-D9A52223A3F4}"/>
+                <a16:creationId xmlns:a16="http://schemas.microsoft.com/office/drawing/2014/main" id="{5A63AF89-24D6-D46B-E75E-E9B0CEC73B00}"/>
               </a:ext>
             </a:extLst>
           </p:cNvPr>
@@ -1434,7 +1434,7 @@
           <p:cNvPr id="7" name="灯片编号占位符 6">
             <a:extLst>
               <a:ext uri="{FF2B5EF4-FFF2-40B4-BE49-F238E27FC236}">
-                <a16:creationId xmlns:a16="http://schemas.microsoft.com/office/drawing/2014/main" id="{7F0A50F8-A0C7-DE5E-8AA3-199EC3BDFB10}"/>
+                <a16:creationId xmlns:a16="http://schemas.microsoft.com/office/drawing/2014/main" id="{249DB8AE-6CE3-713F-0F2A-404DB4AAE1C9}"/>
               </a:ext>
             </a:extLst>
           </p:cNvPr>
@@ -1450,7 +1450,7 @@
           <a:bodyPr/>
           <a:lstStyle/>
           <a:p>
-            <a:fld id="{393855A0-6F81-4BBF-998E-BF20CBE5429F}" type="slidenum">
+            <a:fld id="{180D7D30-24DC-4C2E-9FC8-8E508DC919C8}" type="slidenum">
               <a:rPr lang="zh-CN" altLang="en-US" smtClean="0"/>
               <a:t>‹#›</a:t>
             </a:fld>
@@ -1461,7 +1461,7 @@
     </p:spTree>
     <p:extLst>
       <p:ext uri="{BB962C8B-B14F-4D97-AF65-F5344CB8AC3E}">
-        <p14:creationId xmlns:p14="http://schemas.microsoft.com/office/powerpoint/2010/main" val="1641471290"/>
+        <p14:creationId xmlns:p14="http://schemas.microsoft.com/office/powerpoint/2010/main" val="44519945"/>
       </p:ext>
     </p:extLst>
   </p:cSld>
@@ -1493,7 +1493,7 @@
           <p:cNvPr id="2" name="标题 1">
             <a:extLst>
               <a:ext uri="{FF2B5EF4-FFF2-40B4-BE49-F238E27FC236}">
-                <a16:creationId xmlns:a16="http://schemas.microsoft.com/office/drawing/2014/main" id="{C3D88FBE-3892-6E22-DC33-B4B00B92E4A8}"/>
+                <a16:creationId xmlns:a16="http://schemas.microsoft.com/office/drawing/2014/main" id="{3E0C291B-D577-0587-71B1-BD663D37ACEB}"/>
               </a:ext>
             </a:extLst>
           </p:cNvPr>
@@ -1526,7 +1526,7 @@
           <p:cNvPr id="3" name="文本占位符 2">
             <a:extLst>
               <a:ext uri="{FF2B5EF4-FFF2-40B4-BE49-F238E27FC236}">
-                <a16:creationId xmlns:a16="http://schemas.microsoft.com/office/drawing/2014/main" id="{83D0FF59-EA6C-2261-38BF-06564A0AF6D9}"/>
+                <a16:creationId xmlns:a16="http://schemas.microsoft.com/office/drawing/2014/main" id="{F2EAABBA-C4B9-00CC-6D8A-E481E13C87FA}"/>
               </a:ext>
             </a:extLst>
           </p:cNvPr>
@@ -1597,7 +1597,7 @@
           <p:cNvPr id="4" name="内容占位符 3">
             <a:extLst>
               <a:ext uri="{FF2B5EF4-FFF2-40B4-BE49-F238E27FC236}">
-                <a16:creationId xmlns:a16="http://schemas.microsoft.com/office/drawing/2014/main" id="{002ACB5E-486D-0863-DFB1-E9F126DF0E9C}"/>
+                <a16:creationId xmlns:a16="http://schemas.microsoft.com/office/drawing/2014/main" id="{F2A42211-196D-477E-944F-AE1C435DBB05}"/>
               </a:ext>
             </a:extLst>
           </p:cNvPr>
@@ -1659,7 +1659,7 @@
           <p:cNvPr id="5" name="文本占位符 4">
             <a:extLst>
               <a:ext uri="{FF2B5EF4-FFF2-40B4-BE49-F238E27FC236}">
-                <a16:creationId xmlns:a16="http://schemas.microsoft.com/office/drawing/2014/main" id="{86FF26A3-589D-9B93-607D-DD17974AF9B9}"/>
+                <a16:creationId xmlns:a16="http://schemas.microsoft.com/office/drawing/2014/main" id="{9FE3081A-9D4D-F58A-B1D0-1C8304791306}"/>
               </a:ext>
             </a:extLst>
           </p:cNvPr>
@@ -1730,7 +1730,7 @@
           <p:cNvPr id="6" name="内容占位符 5">
             <a:extLst>
               <a:ext uri="{FF2B5EF4-FFF2-40B4-BE49-F238E27FC236}">
-                <a16:creationId xmlns:a16="http://schemas.microsoft.com/office/drawing/2014/main" id="{00B79483-1A2F-B17B-249B-99A71AEC3E6C}"/>
+                <a16:creationId xmlns:a16="http://schemas.microsoft.com/office/drawing/2014/main" id="{4E541016-C586-531F-D0F3-601E13EDB045}"/>
               </a:ext>
             </a:extLst>
           </p:cNvPr>
@@ -1792,7 +1792,7 @@
           <p:cNvPr id="7" name="日期占位符 6">
             <a:extLst>
               <a:ext uri="{FF2B5EF4-FFF2-40B4-BE49-F238E27FC236}">
-                <a16:creationId xmlns:a16="http://schemas.microsoft.com/office/drawing/2014/main" id="{079C0DF1-29B6-ED53-FEA1-684D8F9BC91A}"/>
+                <a16:creationId xmlns:a16="http://schemas.microsoft.com/office/drawing/2014/main" id="{67E9F1A8-7F30-2FB7-4A11-FAA59FDC8F0F}"/>
               </a:ext>
             </a:extLst>
           </p:cNvPr>
@@ -1808,7 +1808,7 @@
           <a:bodyPr/>
           <a:lstStyle/>
           <a:p>
-            <a:fld id="{A4198D2A-BD94-4ED5-98A3-93F583DEE07B}" type="datetimeFigureOut">
+            <a:fld id="{82C35F41-64C2-4B9E-8BF5-175E414F05E0}" type="datetimeFigureOut">
               <a:rPr lang="zh-CN" altLang="en-US" smtClean="0"/>
               <a:t>2024/3/10</a:t>
             </a:fld>
@@ -1821,7 +1821,7 @@
           <p:cNvPr id="8" name="页脚占位符 7">
             <a:extLst>
               <a:ext uri="{FF2B5EF4-FFF2-40B4-BE49-F238E27FC236}">
-                <a16:creationId xmlns:a16="http://schemas.microsoft.com/office/drawing/2014/main" id="{7C9A822C-78D7-9EFA-671F-5B4676F53EF1}"/>
+                <a16:creationId xmlns:a16="http://schemas.microsoft.com/office/drawing/2014/main" id="{9D34C9DF-0DF1-0349-6BA6-9C581F912ED8}"/>
               </a:ext>
             </a:extLst>
           </p:cNvPr>
@@ -1846,7 +1846,7 @@
           <p:cNvPr id="9" name="灯片编号占位符 8">
             <a:extLst>
               <a:ext uri="{FF2B5EF4-FFF2-40B4-BE49-F238E27FC236}">
-                <a16:creationId xmlns:a16="http://schemas.microsoft.com/office/drawing/2014/main" id="{BF7F2760-1D18-EBD3-FC4C-14070A9631AB}"/>
+                <a16:creationId xmlns:a16="http://schemas.microsoft.com/office/drawing/2014/main" id="{969DBAB6-7706-4400-306A-DFEDC93081ED}"/>
               </a:ext>
             </a:extLst>
           </p:cNvPr>
@@ -1862,7 +1862,7 @@
           <a:bodyPr/>
           <a:lstStyle/>
           <a:p>
-            <a:fld id="{393855A0-6F81-4BBF-998E-BF20CBE5429F}" type="slidenum">
+            <a:fld id="{180D7D30-24DC-4C2E-9FC8-8E508DC919C8}" type="slidenum">
               <a:rPr lang="zh-CN" altLang="en-US" smtClean="0"/>
               <a:t>‹#›</a:t>
             </a:fld>
@@ -1873,7 +1873,7 @@
     </p:spTree>
     <p:extLst>
       <p:ext uri="{BB962C8B-B14F-4D97-AF65-F5344CB8AC3E}">
-        <p14:creationId xmlns:p14="http://schemas.microsoft.com/office/powerpoint/2010/main" val="313983487"/>
+        <p14:creationId xmlns:p14="http://schemas.microsoft.com/office/powerpoint/2010/main" val="4179950533"/>
       </p:ext>
     </p:extLst>
   </p:cSld>
@@ -1905,7 +1905,7 @@
           <p:cNvPr id="2" name="标题 1">
             <a:extLst>
               <a:ext uri="{FF2B5EF4-FFF2-40B4-BE49-F238E27FC236}">
-                <a16:creationId xmlns:a16="http://schemas.microsoft.com/office/drawing/2014/main" id="{831B7024-2654-4C26-33EF-2FB37AD3616F}"/>
+                <a16:creationId xmlns:a16="http://schemas.microsoft.com/office/drawing/2014/main" id="{7D04560C-C052-5835-9A69-13EE09D1281B}"/>
               </a:ext>
             </a:extLst>
           </p:cNvPr>
@@ -1933,7 +1933,7 @@
           <p:cNvPr id="3" name="日期占位符 2">
             <a:extLst>
               <a:ext uri="{FF2B5EF4-FFF2-40B4-BE49-F238E27FC236}">
-                <a16:creationId xmlns:a16="http://schemas.microsoft.com/office/drawing/2014/main" id="{5AE186A2-7327-FE6C-AB3B-22F30AD5DF92}"/>
+                <a16:creationId xmlns:a16="http://schemas.microsoft.com/office/drawing/2014/main" id="{81D95337-F8C0-2C13-5334-C62B52E503EB}"/>
               </a:ext>
             </a:extLst>
           </p:cNvPr>
@@ -1949,7 +1949,7 @@
           <a:bodyPr/>
           <a:lstStyle/>
           <a:p>
-            <a:fld id="{A4198D2A-BD94-4ED5-98A3-93F583DEE07B}" type="datetimeFigureOut">
+            <a:fld id="{82C35F41-64C2-4B9E-8BF5-175E414F05E0}" type="datetimeFigureOut">
               <a:rPr lang="zh-CN" altLang="en-US" smtClean="0"/>
               <a:t>2024/3/10</a:t>
             </a:fld>
@@ -1962,7 +1962,7 @@
           <p:cNvPr id="4" name="页脚占位符 3">
             <a:extLst>
               <a:ext uri="{FF2B5EF4-FFF2-40B4-BE49-F238E27FC236}">
-                <a16:creationId xmlns:a16="http://schemas.microsoft.com/office/drawing/2014/main" id="{363AAC2A-288A-F7D1-EAEB-C878EFBCDC9B}"/>
+                <a16:creationId xmlns:a16="http://schemas.microsoft.com/office/drawing/2014/main" id="{9320EB06-174C-ACCA-95E2-21617137BB01}"/>
               </a:ext>
             </a:extLst>
           </p:cNvPr>
@@ -1987,7 +1987,7 @@
           <p:cNvPr id="5" name="灯片编号占位符 4">
             <a:extLst>
               <a:ext uri="{FF2B5EF4-FFF2-40B4-BE49-F238E27FC236}">
-                <a16:creationId xmlns:a16="http://schemas.microsoft.com/office/drawing/2014/main" id="{998D51F8-6BFC-1086-2E2B-C69DE51AB7E6}"/>
+                <a16:creationId xmlns:a16="http://schemas.microsoft.com/office/drawing/2014/main" id="{1AE176FB-CA1C-00F3-2D7A-9A64B8AD0310}"/>
               </a:ext>
             </a:extLst>
           </p:cNvPr>
@@ -2003,7 +2003,7 @@
           <a:bodyPr/>
           <a:lstStyle/>
           <a:p>
-            <a:fld id="{393855A0-6F81-4BBF-998E-BF20CBE5429F}" type="slidenum">
+            <a:fld id="{180D7D30-24DC-4C2E-9FC8-8E508DC919C8}" type="slidenum">
               <a:rPr lang="zh-CN" altLang="en-US" smtClean="0"/>
               <a:t>‹#›</a:t>
             </a:fld>
@@ -2014,7 +2014,7 @@
     </p:spTree>
     <p:extLst>
       <p:ext uri="{BB962C8B-B14F-4D97-AF65-F5344CB8AC3E}">
-        <p14:creationId xmlns:p14="http://schemas.microsoft.com/office/powerpoint/2010/main" val="3518618866"/>
+        <p14:creationId xmlns:p14="http://schemas.microsoft.com/office/powerpoint/2010/main" val="1322908401"/>
       </p:ext>
     </p:extLst>
   </p:cSld>
@@ -2046,7 +2046,7 @@
           <p:cNvPr id="2" name="日期占位符 1">
             <a:extLst>
               <a:ext uri="{FF2B5EF4-FFF2-40B4-BE49-F238E27FC236}">
-                <a16:creationId xmlns:a16="http://schemas.microsoft.com/office/drawing/2014/main" id="{D607D345-9A4B-A14C-841A-7A67F535DCD8}"/>
+                <a16:creationId xmlns:a16="http://schemas.microsoft.com/office/drawing/2014/main" id="{4126639B-52F7-5CA7-5D01-BC7C9A37FF5D}"/>
               </a:ext>
             </a:extLst>
           </p:cNvPr>
@@ -2062,7 +2062,7 @@
           <a:bodyPr/>
           <a:lstStyle/>
           <a:p>
-            <a:fld id="{A4198D2A-BD94-4ED5-98A3-93F583DEE07B}" type="datetimeFigureOut">
+            <a:fld id="{82C35F41-64C2-4B9E-8BF5-175E414F05E0}" type="datetimeFigureOut">
               <a:rPr lang="zh-CN" altLang="en-US" smtClean="0"/>
               <a:t>2024/3/10</a:t>
             </a:fld>
@@ -2075,7 +2075,7 @@
           <p:cNvPr id="3" name="页脚占位符 2">
             <a:extLst>
               <a:ext uri="{FF2B5EF4-FFF2-40B4-BE49-F238E27FC236}">
-                <a16:creationId xmlns:a16="http://schemas.microsoft.com/office/drawing/2014/main" id="{58CBC0AD-DF71-88DA-F8CA-FAD1BE7BF40F}"/>
+                <a16:creationId xmlns:a16="http://schemas.microsoft.com/office/drawing/2014/main" id="{D4DA2E63-BD09-7ADC-5D7A-95AB754D0909}"/>
               </a:ext>
             </a:extLst>
           </p:cNvPr>
@@ -2100,7 +2100,7 @@
           <p:cNvPr id="4" name="灯片编号占位符 3">
             <a:extLst>
               <a:ext uri="{FF2B5EF4-FFF2-40B4-BE49-F238E27FC236}">
-                <a16:creationId xmlns:a16="http://schemas.microsoft.com/office/drawing/2014/main" id="{FE8030DA-76F1-34A9-59FE-BFE2F4BCA580}"/>
+                <a16:creationId xmlns:a16="http://schemas.microsoft.com/office/drawing/2014/main" id="{82EF674F-E1C2-5B9A-B142-7ADF3AB8AE57}"/>
               </a:ext>
             </a:extLst>
           </p:cNvPr>
@@ -2116,7 +2116,7 @@
           <a:bodyPr/>
           <a:lstStyle/>
           <a:p>
-            <a:fld id="{393855A0-6F81-4BBF-998E-BF20CBE5429F}" type="slidenum">
+            <a:fld id="{180D7D30-24DC-4C2E-9FC8-8E508DC919C8}" type="slidenum">
               <a:rPr lang="zh-CN" altLang="en-US" smtClean="0"/>
               <a:t>‹#›</a:t>
             </a:fld>
@@ -2127,7 +2127,7 @@
     </p:spTree>
     <p:extLst>
       <p:ext uri="{BB962C8B-B14F-4D97-AF65-F5344CB8AC3E}">
-        <p14:creationId xmlns:p14="http://schemas.microsoft.com/office/powerpoint/2010/main" val="419530343"/>
+        <p14:creationId xmlns:p14="http://schemas.microsoft.com/office/powerpoint/2010/main" val="1674614817"/>
       </p:ext>
     </p:extLst>
   </p:cSld>
@@ -2159,7 +2159,7 @@
           <p:cNvPr id="2" name="标题 1">
             <a:extLst>
               <a:ext uri="{FF2B5EF4-FFF2-40B4-BE49-F238E27FC236}">
-                <a16:creationId xmlns:a16="http://schemas.microsoft.com/office/drawing/2014/main" id="{FB505D50-6B73-C9C3-93E7-987275F95A42}"/>
+                <a16:creationId xmlns:a16="http://schemas.microsoft.com/office/drawing/2014/main" id="{8717C8D0-88EE-499C-3698-13CC20375020}"/>
               </a:ext>
             </a:extLst>
           </p:cNvPr>
@@ -2196,7 +2196,7 @@
           <p:cNvPr id="3" name="内容占位符 2">
             <a:extLst>
               <a:ext uri="{FF2B5EF4-FFF2-40B4-BE49-F238E27FC236}">
-                <a16:creationId xmlns:a16="http://schemas.microsoft.com/office/drawing/2014/main" id="{917436BA-FED1-2E7D-87D4-5164E5DABEE7}"/>
+                <a16:creationId xmlns:a16="http://schemas.microsoft.com/office/drawing/2014/main" id="{D764A400-A060-345E-FCD2-A99567D5843A}"/>
               </a:ext>
             </a:extLst>
           </p:cNvPr>
@@ -2286,7 +2286,7 @@
           <p:cNvPr id="4" name="文本占位符 3">
             <a:extLst>
               <a:ext uri="{FF2B5EF4-FFF2-40B4-BE49-F238E27FC236}">
-                <a16:creationId xmlns:a16="http://schemas.microsoft.com/office/drawing/2014/main" id="{79B039AC-AC32-4F30-6A1A-98EC3CD76890}"/>
+                <a16:creationId xmlns:a16="http://schemas.microsoft.com/office/drawing/2014/main" id="{FE5426DE-FD76-C7C6-CFFE-C041EC04BB1F}"/>
               </a:ext>
             </a:extLst>
           </p:cNvPr>
@@ -2357,7 +2357,7 @@
           <p:cNvPr id="5" name="日期占位符 4">
             <a:extLst>
               <a:ext uri="{FF2B5EF4-FFF2-40B4-BE49-F238E27FC236}">
-                <a16:creationId xmlns:a16="http://schemas.microsoft.com/office/drawing/2014/main" id="{8D1886B8-E84A-9215-9CD0-AF155B9E5CD1}"/>
+                <a16:creationId xmlns:a16="http://schemas.microsoft.com/office/drawing/2014/main" id="{566D2E4B-9138-1E05-6A7F-0EC6986CE2C8}"/>
               </a:ext>
             </a:extLst>
           </p:cNvPr>
@@ -2373,7 +2373,7 @@
           <a:bodyPr/>
           <a:lstStyle/>
           <a:p>
-            <a:fld id="{A4198D2A-BD94-4ED5-98A3-93F583DEE07B}" type="datetimeFigureOut">
+            <a:fld id="{82C35F41-64C2-4B9E-8BF5-175E414F05E0}" type="datetimeFigureOut">
               <a:rPr lang="zh-CN" altLang="en-US" smtClean="0"/>
               <a:t>2024/3/10</a:t>
             </a:fld>
@@ -2386,7 +2386,7 @@
           <p:cNvPr id="6" name="页脚占位符 5">
             <a:extLst>
               <a:ext uri="{FF2B5EF4-FFF2-40B4-BE49-F238E27FC236}">
-                <a16:creationId xmlns:a16="http://schemas.microsoft.com/office/drawing/2014/main" id="{5AEA9D6F-A467-653A-38EF-D9BA5657E0DB}"/>
+                <a16:creationId xmlns:a16="http://schemas.microsoft.com/office/drawing/2014/main" id="{BCAC2002-45BF-BA16-61AB-E571A99718DB}"/>
               </a:ext>
             </a:extLst>
           </p:cNvPr>
@@ -2411,7 +2411,7 @@
           <p:cNvPr id="7" name="灯片编号占位符 6">
             <a:extLst>
               <a:ext uri="{FF2B5EF4-FFF2-40B4-BE49-F238E27FC236}">
-                <a16:creationId xmlns:a16="http://schemas.microsoft.com/office/drawing/2014/main" id="{D1D65C27-1119-991F-ED6C-3A794CBBB6D6}"/>
+                <a16:creationId xmlns:a16="http://schemas.microsoft.com/office/drawing/2014/main" id="{6DC0592D-8625-D9BC-D7CA-B5B27EF11C5D}"/>
               </a:ext>
             </a:extLst>
           </p:cNvPr>
@@ -2427,7 +2427,7 @@
           <a:bodyPr/>
           <a:lstStyle/>
           <a:p>
-            <a:fld id="{393855A0-6F81-4BBF-998E-BF20CBE5429F}" type="slidenum">
+            <a:fld id="{180D7D30-24DC-4C2E-9FC8-8E508DC919C8}" type="slidenum">
               <a:rPr lang="zh-CN" altLang="en-US" smtClean="0"/>
               <a:t>‹#›</a:t>
             </a:fld>
@@ -2438,7 +2438,7 @@
     </p:spTree>
     <p:extLst>
       <p:ext uri="{BB962C8B-B14F-4D97-AF65-F5344CB8AC3E}">
-        <p14:creationId xmlns:p14="http://schemas.microsoft.com/office/powerpoint/2010/main" val="2465045460"/>
+        <p14:creationId xmlns:p14="http://schemas.microsoft.com/office/powerpoint/2010/main" val="2957346581"/>
       </p:ext>
     </p:extLst>
   </p:cSld>
@@ -2470,7 +2470,7 @@
           <p:cNvPr id="2" name="标题 1">
             <a:extLst>
               <a:ext uri="{FF2B5EF4-FFF2-40B4-BE49-F238E27FC236}">
-                <a16:creationId xmlns:a16="http://schemas.microsoft.com/office/drawing/2014/main" id="{DC4B5DE0-DE48-B31F-ACA5-299EC030C1D9}"/>
+                <a16:creationId xmlns:a16="http://schemas.microsoft.com/office/drawing/2014/main" id="{50826996-1CBD-0D52-9C75-83C5EDC7E4B1}"/>
               </a:ext>
             </a:extLst>
           </p:cNvPr>
@@ -2507,7 +2507,7 @@
           <p:cNvPr id="3" name="图片占位符 2">
             <a:extLst>
               <a:ext uri="{FF2B5EF4-FFF2-40B4-BE49-F238E27FC236}">
-                <a16:creationId xmlns:a16="http://schemas.microsoft.com/office/drawing/2014/main" id="{85ACCF09-03C3-853A-E2EB-44F3F0A2CBCA}"/>
+                <a16:creationId xmlns:a16="http://schemas.microsoft.com/office/drawing/2014/main" id="{65A7C675-A498-EF4D-4D2B-57D32631A42A}"/>
               </a:ext>
             </a:extLst>
           </p:cNvPr>
@@ -2574,7 +2574,7 @@
           <p:cNvPr id="4" name="文本占位符 3">
             <a:extLst>
               <a:ext uri="{FF2B5EF4-FFF2-40B4-BE49-F238E27FC236}">
-                <a16:creationId xmlns:a16="http://schemas.microsoft.com/office/drawing/2014/main" id="{995AABD5-57BC-75F5-88F5-98ABA02E357C}"/>
+                <a16:creationId xmlns:a16="http://schemas.microsoft.com/office/drawing/2014/main" id="{7480E481-8708-A776-CDAD-848CE8ADEE17}"/>
               </a:ext>
             </a:extLst>
           </p:cNvPr>
@@ -2645,7 +2645,7 @@
           <p:cNvPr id="5" name="日期占位符 4">
             <a:extLst>
               <a:ext uri="{FF2B5EF4-FFF2-40B4-BE49-F238E27FC236}">
-                <a16:creationId xmlns:a16="http://schemas.microsoft.com/office/drawing/2014/main" id="{C68AC5CC-4ADB-CD6A-7006-DE2175E03440}"/>
+                <a16:creationId xmlns:a16="http://schemas.microsoft.com/office/drawing/2014/main" id="{4A82D4DE-4487-3273-256E-6149CC18FAF5}"/>
               </a:ext>
             </a:extLst>
           </p:cNvPr>
@@ -2661,7 +2661,7 @@
           <a:bodyPr/>
           <a:lstStyle/>
           <a:p>
-            <a:fld id="{A4198D2A-BD94-4ED5-98A3-93F583DEE07B}" type="datetimeFigureOut">
+            <a:fld id="{82C35F41-64C2-4B9E-8BF5-175E414F05E0}" type="datetimeFigureOut">
               <a:rPr lang="zh-CN" altLang="en-US" smtClean="0"/>
               <a:t>2024/3/10</a:t>
             </a:fld>
@@ -2674,7 +2674,7 @@
           <p:cNvPr id="6" name="页脚占位符 5">
             <a:extLst>
               <a:ext uri="{FF2B5EF4-FFF2-40B4-BE49-F238E27FC236}">
-                <a16:creationId xmlns:a16="http://schemas.microsoft.com/office/drawing/2014/main" id="{9D35E0C3-58BC-1D98-27B0-C8266CA9BC5C}"/>
+                <a16:creationId xmlns:a16="http://schemas.microsoft.com/office/drawing/2014/main" id="{509127B8-CC59-30DC-7219-3A3B3DCEF16D}"/>
               </a:ext>
             </a:extLst>
           </p:cNvPr>
@@ -2699,7 +2699,7 @@
           <p:cNvPr id="7" name="灯片编号占位符 6">
             <a:extLst>
               <a:ext uri="{FF2B5EF4-FFF2-40B4-BE49-F238E27FC236}">
-                <a16:creationId xmlns:a16="http://schemas.microsoft.com/office/drawing/2014/main" id="{D5656348-047A-0363-933C-CC55FD3E31CB}"/>
+                <a16:creationId xmlns:a16="http://schemas.microsoft.com/office/drawing/2014/main" id="{42D3CABD-9455-C56A-1459-ADE042FF6A2F}"/>
               </a:ext>
             </a:extLst>
           </p:cNvPr>
@@ -2715,7 +2715,7 @@
           <a:bodyPr/>
           <a:lstStyle/>
           <a:p>
-            <a:fld id="{393855A0-6F81-4BBF-998E-BF20CBE5429F}" type="slidenum">
+            <a:fld id="{180D7D30-24DC-4C2E-9FC8-8E508DC919C8}" type="slidenum">
               <a:rPr lang="zh-CN" altLang="en-US" smtClean="0"/>
               <a:t>‹#›</a:t>
             </a:fld>
@@ -2726,7 +2726,7 @@
     </p:spTree>
     <p:extLst>
       <p:ext uri="{BB962C8B-B14F-4D97-AF65-F5344CB8AC3E}">
-        <p14:creationId xmlns:p14="http://schemas.microsoft.com/office/powerpoint/2010/main" val="1609771325"/>
+        <p14:creationId xmlns:p14="http://schemas.microsoft.com/office/powerpoint/2010/main" val="1207860843"/>
       </p:ext>
     </p:extLst>
   </p:cSld>
@@ -2763,7 +2763,7 @@
           <p:cNvPr id="2" name="标题占位符 1">
             <a:extLst>
               <a:ext uri="{FF2B5EF4-FFF2-40B4-BE49-F238E27FC236}">
-                <a16:creationId xmlns:a16="http://schemas.microsoft.com/office/drawing/2014/main" id="{E61AEEE5-BE56-8CF9-45C0-A2DF8AC3D3ED}"/>
+                <a16:creationId xmlns:a16="http://schemas.microsoft.com/office/drawing/2014/main" id="{135DE4DE-6D91-420E-3971-5CEC45932D2A}"/>
               </a:ext>
             </a:extLst>
           </p:cNvPr>
@@ -2801,7 +2801,7 @@
           <p:cNvPr id="3" name="文本占位符 2">
             <a:extLst>
               <a:ext uri="{FF2B5EF4-FFF2-40B4-BE49-F238E27FC236}">
-                <a16:creationId xmlns:a16="http://schemas.microsoft.com/office/drawing/2014/main" id="{18D72C3D-69DB-D0F1-0B61-979ADE2DC79A}"/>
+                <a16:creationId xmlns:a16="http://schemas.microsoft.com/office/drawing/2014/main" id="{A8D5888C-52B5-66CE-F040-484D096094CF}"/>
               </a:ext>
             </a:extLst>
           </p:cNvPr>
@@ -2868,7 +2868,7 @@
           <p:cNvPr id="4" name="日期占位符 3">
             <a:extLst>
               <a:ext uri="{FF2B5EF4-FFF2-40B4-BE49-F238E27FC236}">
-                <a16:creationId xmlns:a16="http://schemas.microsoft.com/office/drawing/2014/main" id="{AB7E9F56-D6ED-2818-201F-14A76E885DB6}"/>
+                <a16:creationId xmlns:a16="http://schemas.microsoft.com/office/drawing/2014/main" id="{73451957-4840-9E4A-6449-433AEBAA0C9D}"/>
               </a:ext>
             </a:extLst>
           </p:cNvPr>
@@ -2902,7 +2902,7 @@
             </a:lvl1pPr>
           </a:lstStyle>
           <a:p>
-            <a:fld id="{A4198D2A-BD94-4ED5-98A3-93F583DEE07B}" type="datetimeFigureOut">
+            <a:fld id="{82C35F41-64C2-4B9E-8BF5-175E414F05E0}" type="datetimeFigureOut">
               <a:rPr lang="zh-CN" altLang="en-US" smtClean="0"/>
               <a:t>2024/3/10</a:t>
             </a:fld>
@@ -2915,7 +2915,7 @@
           <p:cNvPr id="5" name="页脚占位符 4">
             <a:extLst>
               <a:ext uri="{FF2B5EF4-FFF2-40B4-BE49-F238E27FC236}">
-                <a16:creationId xmlns:a16="http://schemas.microsoft.com/office/drawing/2014/main" id="{789F2579-2670-404E-D5BC-4641CDCE3891}"/>
+                <a16:creationId xmlns:a16="http://schemas.microsoft.com/office/drawing/2014/main" id="{AD4135CB-9222-F7D3-C282-27B46DE044C6}"/>
               </a:ext>
             </a:extLst>
           </p:cNvPr>
@@ -2958,7 +2958,7 @@
           <p:cNvPr id="6" name="灯片编号占位符 5">
             <a:extLst>
               <a:ext uri="{FF2B5EF4-FFF2-40B4-BE49-F238E27FC236}">
-                <a16:creationId xmlns:a16="http://schemas.microsoft.com/office/drawing/2014/main" id="{38ABAF2C-558A-372F-A040-165F8DF47B0B}"/>
+                <a16:creationId xmlns:a16="http://schemas.microsoft.com/office/drawing/2014/main" id="{F8406857-B119-316E-69AF-3BD2DDCFCE63}"/>
               </a:ext>
             </a:extLst>
           </p:cNvPr>
@@ -2992,7 +2992,7 @@
             </a:lvl1pPr>
           </a:lstStyle>
           <a:p>
-            <a:fld id="{393855A0-6F81-4BBF-998E-BF20CBE5429F}" type="slidenum">
+            <a:fld id="{180D7D30-24DC-4C2E-9FC8-8E508DC919C8}" type="slidenum">
               <a:rPr lang="zh-CN" altLang="en-US" smtClean="0"/>
               <a:t>‹#›</a:t>
             </a:fld>
@@ -3003,7 +3003,7 @@
     </p:spTree>
     <p:extLst>
       <p:ext uri="{BB962C8B-B14F-4D97-AF65-F5344CB8AC3E}">
-        <p14:creationId xmlns:p14="http://schemas.microsoft.com/office/powerpoint/2010/main" val="1176520988"/>
+        <p14:creationId xmlns:p14="http://schemas.microsoft.com/office/powerpoint/2010/main" val="2523369718"/>
       </p:ext>
     </p:extLst>
   </p:cSld>
@@ -3323,7 +3323,7 @@
       </p:grpSpPr>
       <p:pic>
         <p:nvPicPr>
-          <p:cNvPr id="1377282" name="Picture 2" descr="1344"/>
+          <p:cNvPr id="1378306" name="Picture 2" descr="1345"/>
           <p:cNvPicPr>
             <a:picLocks noChangeAspect="1" noChangeArrowheads="1"/>
           </p:cNvPicPr>
@@ -3345,7 +3345,7 @@
         <p:spPr bwMode="auto">
           <a:xfrm>
             <a:off x="1524000" y="0"/>
-            <a:ext cx="9144000" cy="6858000"/>
+            <a:ext cx="9144000" cy="5157788"/>
           </a:xfrm>
           <a:prstGeom prst="rect">
             <a:avLst/>
